--- a/InnoCalendar Telegram Bot Unit testing.pptx
+++ b/InnoCalendar Telegram Bot Unit testing.pptx
@@ -19,16 +19,17 @@
     <p:sldId id="264" r:id="rId14"/>
     <p:sldId id="265" r:id="rId15"/>
     <p:sldId id="266" r:id="rId16"/>
+    <p:sldId id="267" r:id="rId17"/>
   </p:sldIdLst>
   <p:sldSz cy="5143500" cx="9144000"/>
   <p:notesSz cx="6858000" cy="9144000"/>
   <p:embeddedFontLst>
     <p:embeddedFont>
       <p:font typeface="Ubuntu"/>
-      <p:regular r:id="rId17"/>
-      <p:bold r:id="rId18"/>
-      <p:italic r:id="rId19"/>
-      <p:boldItalic r:id="rId20"/>
+      <p:regular r:id="rId18"/>
+      <p:bold r:id="rId19"/>
+      <p:italic r:id="rId20"/>
+      <p:boldItalic r:id="rId21"/>
     </p:embeddedFont>
   </p:embeddedFontLst>
   <p:defaultTextStyle>
@@ -812,7 +813,7 @@
   <p:cSld>
     <p:spTree>
       <p:nvGrpSpPr>
-        <p:cNvPr id="109" name="Shape 109"/>
+        <p:cNvPr id="108" name="Shape 108"/>
         <p:cNvGrpSpPr/>
         <p:nvPr/>
       </p:nvGrpSpPr>
@@ -826,7 +827,7 @@
       </p:grpSpPr>
       <p:sp>
         <p:nvSpPr>
-          <p:cNvPr id="110" name="Google Shape;110;g6b99ed3d10_0_72:notes"/>
+          <p:cNvPr id="109" name="Google Shape;109;g6b99ed3d10_0_62:notes"/>
           <p:cNvSpPr/>
           <p:nvPr>
             <p:ph idx="2" type="sldImg"/>
@@ -861,7 +862,7 @@
       </p:sp>
       <p:sp>
         <p:nvSpPr>
-          <p:cNvPr id="111" name="Google Shape;111;g6b99ed3d10_0_72:notes"/>
+          <p:cNvPr id="110" name="Google Shape;110;g6b99ed3d10_0_62:notes"/>
           <p:cNvSpPr txBox="1"/>
           <p:nvPr>
             <p:ph idx="1" type="body"/>
@@ -925,7 +926,7 @@
       </p:grpSpPr>
       <p:sp>
         <p:nvSpPr>
-          <p:cNvPr id="116" name="Google Shape;116;g6b99ed3d10_0_77:notes"/>
+          <p:cNvPr id="116" name="Google Shape;116;g6b99ed3d10_0_72:notes"/>
           <p:cNvSpPr/>
           <p:nvPr>
             <p:ph idx="2" type="sldImg"/>
@@ -960,7 +961,106 @@
       </p:sp>
       <p:sp>
         <p:nvSpPr>
-          <p:cNvPr id="117" name="Google Shape;117;g6b99ed3d10_0_77:notes"/>
+          <p:cNvPr id="117" name="Google Shape;117;g6b99ed3d10_0_72:notes"/>
+          <p:cNvSpPr txBox="1"/>
+          <p:nvPr>
+            <p:ph idx="1" type="body"/>
+          </p:nvPr>
+        </p:nvSpPr>
+        <p:spPr>
+          <a:xfrm>
+            <a:off x="685800" y="4343400"/>
+            <a:ext cx="5486400" cy="4114800"/>
+          </a:xfrm>
+          <a:prstGeom prst="rect">
+            <a:avLst/>
+          </a:prstGeom>
+        </p:spPr>
+        <p:txBody>
+          <a:bodyPr anchorCtr="0" anchor="t" bIns="91425" lIns="91425" spcFirstLastPara="1" rIns="91425" wrap="square" tIns="91425">
+            <a:noAutofit/>
+          </a:bodyPr>
+          <a:lstStyle/>
+          <a:p>
+            <a:pPr indent="0" lvl="0" marL="0" rtl="0" algn="l">
+              <a:spcBef>
+                <a:spcPts val="0"/>
+              </a:spcBef>
+              <a:spcAft>
+                <a:spcPts val="0"/>
+              </a:spcAft>
+              <a:buNone/>
+            </a:pPr>
+            <a:r>
+              <a:t/>
+            </a:r>
+            <a:endParaRPr/>
+          </a:p>
+        </p:txBody>
+      </p:sp>
+    </p:spTree>
+  </p:cSld>
+  <p:clrMapOvr>
+    <a:masterClrMapping/>
+  </p:clrMapOvr>
+</p:notes>
+</file>
+
+<file path=ppt/notesSlides/notesSlide12.xml><?xml version="1.0" encoding="utf-8"?>
+<p:notes xmlns:a="http://schemas.openxmlformats.org/drawingml/2006/main" xmlns:r="http://schemas.openxmlformats.org/officeDocument/2006/relationships" xmlns:mc="http://schemas.openxmlformats.org/markup-compatibility/2006" xmlns:mv="urn:schemas-microsoft-com:mac:vml" xmlns:p="http://schemas.openxmlformats.org/presentationml/2006/main" xmlns:c="http://schemas.openxmlformats.org/drawingml/2006/chart" xmlns:dgm="http://schemas.openxmlformats.org/drawingml/2006/diagram" xmlns:o="urn:schemas-microsoft-com:office:office" xmlns:v="urn:schemas-microsoft-com:vml" xmlns:pvml="urn:schemas-microsoft-com:office:powerpoint" xmlns:com="http://schemas.openxmlformats.org/drawingml/2006/compatibility" xmlns:p14="http://schemas.microsoft.com/office/powerpoint/2010/main" xmlns:p15="http://schemas.microsoft.com/office/powerpoint/2012/main" showMasterPhAnim="0" showMasterSp="0">
+  <p:cSld>
+    <p:spTree>
+      <p:nvGrpSpPr>
+        <p:cNvPr id="121" name="Shape 121"/>
+        <p:cNvGrpSpPr/>
+        <p:nvPr/>
+      </p:nvGrpSpPr>
+      <p:grpSpPr>
+        <a:xfrm>
+          <a:off x="0" y="0"/>
+          <a:ext cx="0" cy="0"/>
+          <a:chOff x="0" y="0"/>
+          <a:chExt cx="0" cy="0"/>
+        </a:xfrm>
+      </p:grpSpPr>
+      <p:sp>
+        <p:nvSpPr>
+          <p:cNvPr id="122" name="Google Shape;122;g6b99ed3d10_0_77:notes"/>
+          <p:cNvSpPr/>
+          <p:nvPr>
+            <p:ph idx="2" type="sldImg"/>
+          </p:nvPr>
+        </p:nvSpPr>
+        <p:spPr>
+          <a:xfrm>
+            <a:off x="381300" y="685800"/>
+            <a:ext cx="6096000" cy="3429000"/>
+          </a:xfrm>
+          <a:custGeom>
+            <a:rect b="b" l="l" r="r" t="t"/>
+            <a:pathLst>
+              <a:path extrusionOk="0" h="120000" w="120000">
+                <a:moveTo>
+                  <a:pt x="0" y="0"/>
+                </a:moveTo>
+                <a:lnTo>
+                  <a:pt x="120000" y="0"/>
+                </a:lnTo>
+                <a:lnTo>
+                  <a:pt x="120000" y="120000"/>
+                </a:lnTo>
+                <a:lnTo>
+                  <a:pt x="0" y="120000"/>
+                </a:lnTo>
+                <a:close/>
+              </a:path>
+            </a:pathLst>
+          </a:custGeom>
+        </p:spPr>
+      </p:sp>
+      <p:sp>
+        <p:nvSpPr>
+          <p:cNvPr id="123" name="Google Shape;123;g6b99ed3d10_0_77:notes"/>
           <p:cNvSpPr txBox="1"/>
           <p:nvPr>
             <p:ph idx="1" type="body"/>
@@ -1420,7 +1520,7 @@
       </p:grpSpPr>
       <p:sp>
         <p:nvSpPr>
-          <p:cNvPr id="83" name="Google Shape;83;g6b9c9ee2a8_0_0:notes"/>
+          <p:cNvPr id="83" name="Google Shape;83;g6b99ed3d10_2_15:notes"/>
           <p:cNvSpPr/>
           <p:nvPr>
             <p:ph idx="2" type="sldImg"/>
@@ -1455,7 +1555,7 @@
       </p:sp>
       <p:sp>
         <p:nvSpPr>
-          <p:cNvPr id="84" name="Google Shape;84;g6b9c9ee2a8_0_0:notes"/>
+          <p:cNvPr id="84" name="Google Shape;84;g6b99ed3d10_2_15:notes"/>
           <p:cNvSpPr txBox="1"/>
           <p:nvPr>
             <p:ph idx="1" type="body"/>
@@ -1486,8 +1586,7 @@
               <a:buNone/>
             </a:pPr>
             <a:r>
-              <a:rPr lang="ru"/>
-              <a:t>Text about help to other teams, with what we’ve previously done, how we negotiated with our customer, and how we negotiated with our developers.</a:t>
+              <a:t/>
             </a:r>
             <a:endParaRPr/>
           </a:p>
@@ -1520,7 +1619,7 @@
       </p:grpSpPr>
       <p:sp>
         <p:nvSpPr>
-          <p:cNvPr id="89" name="Google Shape;89;g6b99ed3d10_0_57:notes"/>
+          <p:cNvPr id="89" name="Google Shape;89;g6b9c9ee2a8_0_0:notes"/>
           <p:cNvSpPr/>
           <p:nvPr>
             <p:ph idx="2" type="sldImg"/>
@@ -1555,7 +1654,7 @@
       </p:sp>
       <p:sp>
         <p:nvSpPr>
-          <p:cNvPr id="90" name="Google Shape;90;g6b99ed3d10_0_57:notes"/>
+          <p:cNvPr id="90" name="Google Shape;90;g6b9c9ee2a8_0_0:notes"/>
           <p:cNvSpPr txBox="1"/>
           <p:nvPr>
             <p:ph idx="1" type="body"/>
@@ -1586,7 +1685,8 @@
               <a:buNone/>
             </a:pPr>
             <a:r>
-              <a:t/>
+              <a:rPr lang="ru"/>
+              <a:t>Text about help to other teams, with what we’ve previously done, how we negotiated with our customer, and how we negotiated with our developers.</a:t>
             </a:r>
             <a:endParaRPr/>
           </a:p>
@@ -1605,7 +1705,7 @@
   <p:cSld>
     <p:spTree>
       <p:nvGrpSpPr>
-        <p:cNvPr id="95" name="Shape 95"/>
+        <p:cNvPr id="94" name="Shape 94"/>
         <p:cNvGrpSpPr/>
         <p:nvPr/>
       </p:nvGrpSpPr>
@@ -1619,7 +1719,7 @@
       </p:grpSpPr>
       <p:sp>
         <p:nvSpPr>
-          <p:cNvPr id="96" name="Google Shape;96;g6b99ed3d10_2_7:notes"/>
+          <p:cNvPr id="95" name="Google Shape;95;g6b99ed3d10_0_57:notes"/>
           <p:cNvSpPr/>
           <p:nvPr>
             <p:ph idx="2" type="sldImg"/>
@@ -1654,7 +1754,7 @@
       </p:sp>
       <p:sp>
         <p:nvSpPr>
-          <p:cNvPr id="97" name="Google Shape;97;g6b99ed3d10_2_7:notes"/>
+          <p:cNvPr id="96" name="Google Shape;96;g6b99ed3d10_0_57:notes"/>
           <p:cNvSpPr txBox="1"/>
           <p:nvPr>
             <p:ph idx="1" type="body"/>
@@ -1704,7 +1804,7 @@
   <p:cSld>
     <p:spTree>
       <p:nvGrpSpPr>
-        <p:cNvPr id="102" name="Shape 102"/>
+        <p:cNvPr id="101" name="Shape 101"/>
         <p:cNvGrpSpPr/>
         <p:nvPr/>
       </p:nvGrpSpPr>
@@ -1718,7 +1818,7 @@
       </p:grpSpPr>
       <p:sp>
         <p:nvSpPr>
-          <p:cNvPr id="103" name="Google Shape;103;g6b99ed3d10_0_62:notes"/>
+          <p:cNvPr id="102" name="Google Shape;102;g6b99ed3d10_2_7:notes"/>
           <p:cNvSpPr/>
           <p:nvPr>
             <p:ph idx="2" type="sldImg"/>
@@ -1753,7 +1853,7 @@
       </p:sp>
       <p:sp>
         <p:nvSpPr>
-          <p:cNvPr id="104" name="Google Shape;104;g6b99ed3d10_0_62:notes"/>
+          <p:cNvPr id="103" name="Google Shape;103;g6b99ed3d10_2_7:notes"/>
           <p:cNvSpPr txBox="1"/>
           <p:nvPr>
             <p:ph idx="1" type="body"/>
@@ -6537,7 +6637,7 @@
         </p:nvSpPr>
         <p:spPr>
           <a:xfrm>
-            <a:off x="311700" y="1821550"/>
+            <a:off x="311700" y="2029900"/>
             <a:ext cx="8520600" cy="1273500"/>
           </a:xfrm>
           <a:prstGeom prst="rect">
@@ -6622,6 +6722,27 @@
             </a:pPr>
             <a:r>
               <a:t/>
+            </a:r>
+            <a:endParaRPr b="1" sz="3000">
+              <a:latin typeface="Ubuntu"/>
+              <a:ea typeface="Ubuntu"/>
+              <a:cs typeface="Ubuntu"/>
+              <a:sym typeface="Ubuntu"/>
+            </a:endParaRPr>
+          </a:p>
+          <a:p>
+            <a:pPr indent="0" lvl="0" marL="0" rtl="0" algn="ctr">
+              <a:spcBef>
+                <a:spcPts val="0"/>
+              </a:spcBef>
+              <a:spcAft>
+                <a:spcPts val="0"/>
+              </a:spcAft>
+              <a:buNone/>
+            </a:pPr>
+            <a:r>
+              <a:rPr lang="ru" sz="3000"/>
+              <a:t>@InnoScheduleTestDanilBot</a:t>
             </a:r>
             <a:endParaRPr b="1" sz="3000">
               <a:latin typeface="Ubuntu"/>
@@ -6962,7 +7083,7 @@
   <p:cSld>
     <p:spTree>
       <p:nvGrpSpPr>
-        <p:cNvPr id="112" name="Shape 112"/>
+        <p:cNvPr id="111" name="Shape 111"/>
         <p:cNvGrpSpPr/>
         <p:nvPr/>
       </p:nvGrpSpPr>
@@ -6976,7 +7097,7 @@
       </p:grpSpPr>
       <p:sp>
         <p:nvSpPr>
-          <p:cNvPr id="113" name="Google Shape;113;p22"/>
+          <p:cNvPr id="112" name="Google Shape;112;p22"/>
           <p:cNvSpPr txBox="1"/>
           <p:nvPr>
             <p:ph type="title"/>
@@ -7007,6 +7128,138 @@
               <a:buNone/>
             </a:pPr>
             <a:r>
+              <a:rPr lang="ru"/>
+              <a:t>Demo of test runs of the telegram bot</a:t>
+            </a:r>
+            <a:endParaRPr/>
+          </a:p>
+        </p:txBody>
+      </p:sp>
+      <p:sp>
+        <p:nvSpPr>
+          <p:cNvPr id="113" name="Google Shape;113;p22"/>
+          <p:cNvSpPr txBox="1"/>
+          <p:nvPr>
+            <p:ph idx="1" type="body"/>
+          </p:nvPr>
+        </p:nvSpPr>
+        <p:spPr>
+          <a:xfrm>
+            <a:off x="311700" y="1152475"/>
+            <a:ext cx="8520600" cy="3416400"/>
+          </a:xfrm>
+          <a:prstGeom prst="rect">
+            <a:avLst/>
+          </a:prstGeom>
+        </p:spPr>
+        <p:txBody>
+          <a:bodyPr anchorCtr="0" anchor="t" bIns="91425" lIns="91425" spcFirstLastPara="1" rIns="91425" wrap="square" tIns="91425">
+            <a:noAutofit/>
+          </a:bodyPr>
+          <a:lstStyle/>
+          <a:p>
+            <a:pPr indent="0" lvl="0" marL="0" rtl="0" algn="l">
+              <a:spcBef>
+                <a:spcPts val="0"/>
+              </a:spcBef>
+              <a:spcAft>
+                <a:spcPts val="1600"/>
+              </a:spcAft>
+              <a:buNone/>
+            </a:pPr>
+            <a:r>
+              <a:rPr lang="ru"/>
+              <a:t> </a:t>
+            </a:r>
+            <a:endParaRPr/>
+          </a:p>
+        </p:txBody>
+      </p:sp>
+      <p:pic>
+        <p:nvPicPr>
+          <p:cNvPr id="114" name="Google Shape;114;p22"/>
+          <p:cNvPicPr preferRelativeResize="0"/>
+          <p:nvPr/>
+        </p:nvPicPr>
+        <p:blipFill rotWithShape="1">
+          <a:blip r:embed="rId3">
+            <a:alphaModFix/>
+          </a:blip>
+          <a:srcRect b="21562" l="1581" r="57865" t="43320"/>
+          <a:stretch/>
+        </p:blipFill>
+        <p:spPr>
+          <a:xfrm>
+            <a:off x="311700" y="1152475"/>
+            <a:ext cx="8078824" cy="3935124"/>
+          </a:xfrm>
+          <a:prstGeom prst="rect">
+            <a:avLst/>
+          </a:prstGeom>
+          <a:noFill/>
+          <a:ln>
+            <a:noFill/>
+          </a:ln>
+        </p:spPr>
+      </p:pic>
+    </p:spTree>
+  </p:cSld>
+  <p:clrMapOvr>
+    <a:masterClrMapping/>
+  </p:clrMapOvr>
+</p:sld>
+</file>
+
+<file path=ppt/slides/slide11.xml><?xml version="1.0" encoding="utf-8"?>
+<p:sld xmlns:a="http://schemas.openxmlformats.org/drawingml/2006/main" xmlns:r="http://schemas.openxmlformats.org/officeDocument/2006/relationships" xmlns:mc="http://schemas.openxmlformats.org/markup-compatibility/2006" xmlns:mv="urn:schemas-microsoft-com:mac:vml" xmlns:p="http://schemas.openxmlformats.org/presentationml/2006/main" xmlns:c="http://schemas.openxmlformats.org/drawingml/2006/chart" xmlns:dgm="http://schemas.openxmlformats.org/drawingml/2006/diagram" xmlns:o="urn:schemas-microsoft-com:office:office" xmlns:v="urn:schemas-microsoft-com:vml" xmlns:pvml="urn:schemas-microsoft-com:office:powerpoint" xmlns:com="http://schemas.openxmlformats.org/drawingml/2006/compatibility" xmlns:p14="http://schemas.microsoft.com/office/powerpoint/2010/main" xmlns:p15="http://schemas.microsoft.com/office/powerpoint/2012/main">
+  <p:cSld>
+    <p:spTree>
+      <p:nvGrpSpPr>
+        <p:cNvPr id="118" name="Shape 118"/>
+        <p:cNvGrpSpPr/>
+        <p:nvPr/>
+      </p:nvGrpSpPr>
+      <p:grpSpPr>
+        <a:xfrm>
+          <a:off x="0" y="0"/>
+          <a:ext cx="0" cy="0"/>
+          <a:chOff x="0" y="0"/>
+          <a:chExt cx="0" cy="0"/>
+        </a:xfrm>
+      </p:grpSpPr>
+      <p:sp>
+        <p:nvSpPr>
+          <p:cNvPr id="119" name="Google Shape;119;p23"/>
+          <p:cNvSpPr txBox="1"/>
+          <p:nvPr>
+            <p:ph type="title"/>
+          </p:nvPr>
+        </p:nvSpPr>
+        <p:spPr>
+          <a:xfrm>
+            <a:off x="311700" y="445025"/>
+            <a:ext cx="8520600" cy="572700"/>
+          </a:xfrm>
+          <a:prstGeom prst="rect">
+            <a:avLst/>
+          </a:prstGeom>
+        </p:spPr>
+        <p:txBody>
+          <a:bodyPr anchorCtr="0" anchor="t" bIns="91425" lIns="91425" spcFirstLastPara="1" rIns="91425" wrap="square" tIns="91425">
+            <a:noAutofit/>
+          </a:bodyPr>
+          <a:lstStyle/>
+          <a:p>
+            <a:pPr indent="0" lvl="0" marL="0" rtl="0" algn="l">
+              <a:spcBef>
+                <a:spcPts val="0"/>
+              </a:spcBef>
+              <a:spcAft>
+                <a:spcPts val="0"/>
+              </a:spcAft>
+              <a:buNone/>
+            </a:pPr>
+            <a:r>
               <a:rPr lang="ru" sz="3600">
                 <a:latin typeface="Ubuntu"/>
                 <a:ea typeface="Ubuntu"/>
@@ -7026,7 +7279,7 @@
       </p:sp>
       <p:sp>
         <p:nvSpPr>
-          <p:cNvPr id="114" name="Google Shape;114;p22"/>
+          <p:cNvPr id="120" name="Google Shape;120;p23"/>
           <p:cNvSpPr txBox="1"/>
           <p:nvPr>
             <p:ph idx="1" type="body"/>
@@ -7161,7 +7414,7 @@
                   <a:srgbClr val="FFFFFF"/>
                 </a:solidFill>
               </a:rPr>
-              <a:t>Nothing is obvious, when you create use cases document;</a:t>
+              <a:t>Nothing is obvious, when you create use ca</a:t>
             </a:r>
             <a:endParaRPr>
               <a:solidFill>
@@ -7484,12 +7737,12 @@
 </p:sld>
 </file>
 
-<file path=ppt/slides/slide11.xml><?xml version="1.0" encoding="utf-8"?>
+<file path=ppt/slides/slide12.xml><?xml version="1.0" encoding="utf-8"?>
 <p:sld xmlns:a="http://schemas.openxmlformats.org/drawingml/2006/main" xmlns:r="http://schemas.openxmlformats.org/officeDocument/2006/relationships" xmlns:mc="http://schemas.openxmlformats.org/markup-compatibility/2006" xmlns:mv="urn:schemas-microsoft-com:mac:vml" xmlns:p="http://schemas.openxmlformats.org/presentationml/2006/main" xmlns:c="http://schemas.openxmlformats.org/drawingml/2006/chart" xmlns:dgm="http://schemas.openxmlformats.org/drawingml/2006/diagram" xmlns:o="urn:schemas-microsoft-com:office:office" xmlns:v="urn:schemas-microsoft-com:vml" xmlns:pvml="urn:schemas-microsoft-com:office:powerpoint" xmlns:com="http://schemas.openxmlformats.org/drawingml/2006/compatibility" xmlns:p14="http://schemas.microsoft.com/office/powerpoint/2010/main" xmlns:p15="http://schemas.microsoft.com/office/powerpoint/2012/main">
   <p:cSld>
     <p:spTree>
       <p:nvGrpSpPr>
-        <p:cNvPr id="118" name="Shape 118"/>
+        <p:cNvPr id="124" name="Shape 124"/>
         <p:cNvGrpSpPr/>
         <p:nvPr/>
       </p:nvGrpSpPr>
@@ -7503,7 +7756,7 @@
       </p:grpSpPr>
       <p:sp>
         <p:nvSpPr>
-          <p:cNvPr id="119" name="Google Shape;119;p23"/>
+          <p:cNvPr id="125" name="Google Shape;125;p24"/>
           <p:cNvSpPr txBox="1"/>
           <p:nvPr>
             <p:ph type="title"/>
@@ -7543,7 +7796,7 @@
       </p:sp>
       <p:pic>
         <p:nvPicPr>
-          <p:cNvPr id="120" name="Google Shape;120;p23"/>
+          <p:cNvPr id="126" name="Google Shape;126;p24"/>
           <p:cNvPicPr preferRelativeResize="0"/>
           <p:nvPr/>
         </p:nvPicPr>
@@ -7570,7 +7823,7 @@
       </p:pic>
       <p:sp>
         <p:nvSpPr>
-          <p:cNvPr id="121" name="Google Shape;121;p23"/>
+          <p:cNvPr id="127" name="Google Shape;127;p24"/>
           <p:cNvSpPr txBox="1"/>
           <p:nvPr>
             <p:ph idx="1" type="body"/>
@@ -7664,7 +7917,7 @@
       </p:sp>
       <p:sp>
         <p:nvSpPr>
-          <p:cNvPr id="122" name="Google Shape;122;p23"/>
+          <p:cNvPr id="128" name="Google Shape;128;p24"/>
           <p:cNvSpPr txBox="1"/>
           <p:nvPr/>
         </p:nvSpPr>
@@ -7743,7 +7996,7 @@
                                           </p:stCondLst>
                                         </p:cTn>
                                         <p:tgtEl>
-                                          <p:spTgt spid="120"/>
+                                          <p:spTgt spid="126"/>
                                         </p:tgtEl>
                                         <p:attrNameLst>
                                           <p:attrName>style.visibility</p:attrName>
@@ -7757,7 +8010,7 @@
                                       <p:cBhvr>
                                         <p:cTn dur="1000"/>
                                         <p:tgtEl>
-                                          <p:spTgt spid="120"/>
+                                          <p:spTgt spid="126"/>
                                         </p:tgtEl>
                                       </p:cBhvr>
                                     </p:animEffect>
@@ -8288,15 +8541,7 @@
                   <a:schemeClr val="dk1"/>
                 </a:solidFill>
               </a:rPr>
-              <a:t>Subscribe for an initial core program (</a:t>
-            </a:r>
-            <a:r>
-              <a:rPr lang="ru" sz="2400">
-                <a:solidFill>
-                  <a:schemeClr val="dk1"/>
-                </a:solidFill>
-              </a:rPr>
-              <a:t>Setup an account); +</a:t>
+              <a:t>Subscribe for an initial core program +</a:t>
             </a:r>
             <a:endParaRPr sz="2400">
               <a:solidFill>
@@ -8324,7 +8569,7 @@
                   <a:schemeClr val="dk1"/>
                 </a:solidFill>
               </a:rPr>
-              <a:t>Subscribe to a course; +</a:t>
+              <a:t>Subscribe to a course +</a:t>
             </a:r>
             <a:endParaRPr sz="2400">
               <a:solidFill>
@@ -8352,7 +8597,7 @@
                   <a:schemeClr val="dk1"/>
                 </a:solidFill>
               </a:rPr>
-              <a:t>Receive notification; +</a:t>
+              <a:t>Receive notification +</a:t>
             </a:r>
             <a:endParaRPr sz="2400">
               <a:solidFill>
@@ -8380,7 +8625,7 @@
                   <a:schemeClr val="dk1"/>
                 </a:solidFill>
               </a:rPr>
-              <a:t>Update schedule. - (because we haven’t communicated with IU administration) </a:t>
+              <a:t>Update schedule +</a:t>
             </a:r>
             <a:endParaRPr sz="2400"/>
           </a:p>
@@ -8646,7 +8891,7 @@
             </a:pPr>
             <a:r>
               <a:rPr lang="ru"/>
-              <a:t>Communication with other teams</a:t>
+              <a:t>Teamwork</a:t>
             </a:r>
             <a:endParaRPr/>
           </a:p>
@@ -8662,8 +8907,8 @@
         </p:nvSpPr>
         <p:spPr>
           <a:xfrm>
-            <a:off x="311700" y="1097175"/>
-            <a:ext cx="8520600" cy="3013800"/>
+            <a:off x="311700" y="1152475"/>
+            <a:ext cx="8520600" cy="3416400"/>
           </a:xfrm>
           <a:prstGeom prst="rect">
             <a:avLst/>
@@ -8677,7 +8922,7 @@
           <a:p>
             <a:pPr indent="-381000" lvl="0" marL="457200" rtl="0" algn="l">
               <a:spcBef>
-                <a:spcPts val="0"/>
+                <a:spcPts val="1200"/>
               </a:spcBef>
               <a:spcAft>
                 <a:spcPts val="0"/>
@@ -8694,7 +8939,7 @@
                   <a:srgbClr val="FFFFFF"/>
                 </a:solidFill>
               </a:rPr>
-              <a:t>The project you developed once is always your project;</a:t>
+              <a:t>Each member of team assigned with different tasks;</a:t>
             </a:r>
             <a:endParaRPr sz="2400">
               <a:solidFill>
@@ -8722,7 +8967,7 @@
                   <a:srgbClr val="FFFFFF"/>
                 </a:solidFill>
               </a:rPr>
-              <a:t>Good customer is one, who is </a:t>
+              <a:t>Team task are assigned according to skills and </a:t>
             </a:r>
             <a:r>
               <a:rPr lang="ru" sz="2400">
@@ -8730,15 +8975,7 @@
                   <a:srgbClr val="FFFFFF"/>
                 </a:solidFill>
               </a:rPr>
-              <a:t>involved</a:t>
-            </a:r>
-            <a:r>
-              <a:rPr lang="ru" sz="2400">
-                <a:solidFill>
-                  <a:srgbClr val="FFFFFF"/>
-                </a:solidFill>
-              </a:rPr>
-              <a:t> and ready to negotiate;</a:t>
+              <a:t>competencies;</a:t>
             </a:r>
             <a:endParaRPr sz="2400">
               <a:solidFill>
@@ -8766,29 +9003,56 @@
                   <a:srgbClr val="FFFFFF"/>
                 </a:solidFill>
               </a:rPr>
-              <a:t>“</a:t>
+              <a:t>Joint planning and shared mutual responsibility;</a:t>
             </a:r>
+            <a:endParaRPr sz="2400">
+              <a:solidFill>
+                <a:srgbClr val="FFFFFF"/>
+              </a:solidFill>
+            </a:endParaRPr>
+          </a:p>
+          <a:p>
+            <a:pPr indent="-381000" lvl="0" marL="457200" rtl="0" algn="l">
+              <a:spcBef>
+                <a:spcPts val="0"/>
+              </a:spcBef>
+              <a:spcAft>
+                <a:spcPts val="0"/>
+              </a:spcAft>
+              <a:buClr>
+                <a:srgbClr val="FFFFFF"/>
+              </a:buClr>
+              <a:buSzPts val="2400"/>
+              <a:buChar char="●"/>
+            </a:pPr>
             <a:r>
               <a:rPr lang="ru" sz="2400">
                 <a:solidFill>
                   <a:srgbClr val="FFFFFF"/>
                 </a:solidFill>
               </a:rPr>
-              <a:t>And forgive us our trespasses, as we forgive them that trespass against us</a:t>
-            </a:r>
-            <a:r>
-              <a:rPr lang="ru" sz="2400">
-                <a:solidFill>
-                  <a:srgbClr val="FFFFFF"/>
-                </a:solidFill>
-              </a:rPr>
-              <a:t>”.</a:t>
+              <a:t>Participation of all members of the team.</a:t>
             </a:r>
             <a:endParaRPr sz="2400">
               <a:solidFill>
                 <a:srgbClr val="FFFFFF"/>
               </a:solidFill>
             </a:endParaRPr>
+          </a:p>
+          <a:p>
+            <a:pPr indent="0" lvl="0" marL="0" rtl="0" algn="l">
+              <a:spcBef>
+                <a:spcPts val="1200"/>
+              </a:spcBef>
+              <a:spcAft>
+                <a:spcPts val="1600"/>
+              </a:spcAft>
+              <a:buNone/>
+            </a:pPr>
+            <a:r>
+              <a:t/>
+            </a:r>
+            <a:endParaRPr/>
           </a:p>
         </p:txBody>
       </p:sp>
@@ -8851,6 +9115,211 @@
             </a:pPr>
             <a:r>
               <a:rPr lang="ru"/>
+              <a:t>Communication with other teams</a:t>
+            </a:r>
+            <a:endParaRPr/>
+          </a:p>
+        </p:txBody>
+      </p:sp>
+      <p:sp>
+        <p:nvSpPr>
+          <p:cNvPr id="93" name="Google Shape;93;p19"/>
+          <p:cNvSpPr txBox="1"/>
+          <p:nvPr>
+            <p:ph idx="1" type="body"/>
+          </p:nvPr>
+        </p:nvSpPr>
+        <p:spPr>
+          <a:xfrm>
+            <a:off x="311700" y="1097175"/>
+            <a:ext cx="8520600" cy="3013800"/>
+          </a:xfrm>
+          <a:prstGeom prst="rect">
+            <a:avLst/>
+          </a:prstGeom>
+        </p:spPr>
+        <p:txBody>
+          <a:bodyPr anchorCtr="0" anchor="t" bIns="91425" lIns="91425" spcFirstLastPara="1" rIns="91425" wrap="square" tIns="91425">
+            <a:noAutofit/>
+          </a:bodyPr>
+          <a:lstStyle/>
+          <a:p>
+            <a:pPr indent="-381000" lvl="0" marL="457200" rtl="0" algn="l">
+              <a:spcBef>
+                <a:spcPts val="0"/>
+              </a:spcBef>
+              <a:spcAft>
+                <a:spcPts val="0"/>
+              </a:spcAft>
+              <a:buClr>
+                <a:srgbClr val="FFFFFF"/>
+              </a:buClr>
+              <a:buSzPts val="2400"/>
+              <a:buChar char="●"/>
+            </a:pPr>
+            <a:r>
+              <a:rPr lang="ru" sz="2400">
+                <a:solidFill>
+                  <a:srgbClr val="FFFFFF"/>
+                </a:solidFill>
+              </a:rPr>
+              <a:t>The project you developed once is always your project;</a:t>
+            </a:r>
+            <a:endParaRPr sz="2400">
+              <a:solidFill>
+                <a:srgbClr val="FFFFFF"/>
+              </a:solidFill>
+            </a:endParaRPr>
+          </a:p>
+          <a:p>
+            <a:pPr indent="-381000" lvl="0" marL="457200" rtl="0" algn="l">
+              <a:spcBef>
+                <a:spcPts val="0"/>
+              </a:spcBef>
+              <a:spcAft>
+                <a:spcPts val="0"/>
+              </a:spcAft>
+              <a:buClr>
+                <a:srgbClr val="FFFFFF"/>
+              </a:buClr>
+              <a:buSzPts val="2400"/>
+              <a:buChar char="●"/>
+            </a:pPr>
+            <a:r>
+              <a:rPr lang="ru" sz="2400">
+                <a:solidFill>
+                  <a:srgbClr val="FFFFFF"/>
+                </a:solidFill>
+              </a:rPr>
+              <a:t>Good customer is one, who is </a:t>
+            </a:r>
+            <a:r>
+              <a:rPr lang="ru" sz="2400">
+                <a:solidFill>
+                  <a:srgbClr val="FFFFFF"/>
+                </a:solidFill>
+              </a:rPr>
+              <a:t>involved</a:t>
+            </a:r>
+            <a:r>
+              <a:rPr lang="ru" sz="2400">
+                <a:solidFill>
+                  <a:srgbClr val="FFFFFF"/>
+                </a:solidFill>
+              </a:rPr>
+              <a:t> and ready to negotiate;</a:t>
+            </a:r>
+            <a:endParaRPr sz="2400">
+              <a:solidFill>
+                <a:srgbClr val="FFFFFF"/>
+              </a:solidFill>
+            </a:endParaRPr>
+          </a:p>
+          <a:p>
+            <a:pPr indent="-381000" lvl="0" marL="457200" rtl="0" algn="l">
+              <a:spcBef>
+                <a:spcPts val="0"/>
+              </a:spcBef>
+              <a:spcAft>
+                <a:spcPts val="0"/>
+              </a:spcAft>
+              <a:buClr>
+                <a:srgbClr val="FFFFFF"/>
+              </a:buClr>
+              <a:buSzPts val="2400"/>
+              <a:buChar char="●"/>
+            </a:pPr>
+            <a:r>
+              <a:rPr lang="ru" sz="2400">
+                <a:solidFill>
+                  <a:srgbClr val="FFFFFF"/>
+                </a:solidFill>
+              </a:rPr>
+              <a:t>“</a:t>
+            </a:r>
+            <a:r>
+              <a:rPr lang="ru" sz="2400">
+                <a:solidFill>
+                  <a:srgbClr val="FFFFFF"/>
+                </a:solidFill>
+              </a:rPr>
+              <a:t>And forgive us our trespasses, as we forgive them that trespass against us</a:t>
+            </a:r>
+            <a:r>
+              <a:rPr lang="ru" sz="2400">
+                <a:solidFill>
+                  <a:srgbClr val="FFFFFF"/>
+                </a:solidFill>
+              </a:rPr>
+              <a:t>”.</a:t>
+            </a:r>
+            <a:endParaRPr sz="2400">
+              <a:solidFill>
+                <a:srgbClr val="FFFFFF"/>
+              </a:solidFill>
+            </a:endParaRPr>
+          </a:p>
+        </p:txBody>
+      </p:sp>
+    </p:spTree>
+  </p:cSld>
+  <p:clrMapOvr>
+    <a:masterClrMapping/>
+  </p:clrMapOvr>
+</p:sld>
+</file>
+
+<file path=ppt/slides/slide8.xml><?xml version="1.0" encoding="utf-8"?>
+<p:sld xmlns:a="http://schemas.openxmlformats.org/drawingml/2006/main" xmlns:r="http://schemas.openxmlformats.org/officeDocument/2006/relationships" xmlns:mc="http://schemas.openxmlformats.org/markup-compatibility/2006" xmlns:mv="urn:schemas-microsoft-com:mac:vml" xmlns:p="http://schemas.openxmlformats.org/presentationml/2006/main" xmlns:c="http://schemas.openxmlformats.org/drawingml/2006/chart" xmlns:dgm="http://schemas.openxmlformats.org/drawingml/2006/diagram" xmlns:o="urn:schemas-microsoft-com:office:office" xmlns:v="urn:schemas-microsoft-com:vml" xmlns:pvml="urn:schemas-microsoft-com:office:powerpoint" xmlns:com="http://schemas.openxmlformats.org/drawingml/2006/compatibility" xmlns:p14="http://schemas.microsoft.com/office/powerpoint/2010/main" xmlns:p15="http://schemas.microsoft.com/office/powerpoint/2012/main">
+  <p:cSld>
+    <p:spTree>
+      <p:nvGrpSpPr>
+        <p:cNvPr id="97" name="Shape 97"/>
+        <p:cNvGrpSpPr/>
+        <p:nvPr/>
+      </p:nvGrpSpPr>
+      <p:grpSpPr>
+        <a:xfrm>
+          <a:off x="0" y="0"/>
+          <a:ext cx="0" cy="0"/>
+          <a:chOff x="0" y="0"/>
+          <a:chExt cx="0" cy="0"/>
+        </a:xfrm>
+      </p:grpSpPr>
+      <p:sp>
+        <p:nvSpPr>
+          <p:cNvPr id="98" name="Google Shape;98;p20"/>
+          <p:cNvSpPr txBox="1"/>
+          <p:nvPr>
+            <p:ph type="title"/>
+          </p:nvPr>
+        </p:nvSpPr>
+        <p:spPr>
+          <a:xfrm>
+            <a:off x="311700" y="445025"/>
+            <a:ext cx="8520600" cy="572700"/>
+          </a:xfrm>
+          <a:prstGeom prst="rect">
+            <a:avLst/>
+          </a:prstGeom>
+        </p:spPr>
+        <p:txBody>
+          <a:bodyPr anchorCtr="0" anchor="t" bIns="91425" lIns="91425" spcFirstLastPara="1" rIns="91425" wrap="square" tIns="91425">
+            <a:noAutofit/>
+          </a:bodyPr>
+          <a:lstStyle/>
+          <a:p>
+            <a:pPr indent="0" lvl="0" marL="0" rtl="0" algn="l">
+              <a:spcBef>
+                <a:spcPts val="0"/>
+              </a:spcBef>
+              <a:spcAft>
+                <a:spcPts val="0"/>
+              </a:spcAft>
+              <a:buNone/>
+            </a:pPr>
+            <a:r>
+              <a:rPr lang="ru"/>
               <a:t>Demo of using telegram bot</a:t>
             </a:r>
             <a:endParaRPr/>
@@ -8859,7 +9328,7 @@
       </p:sp>
       <p:sp>
         <p:nvSpPr>
-          <p:cNvPr id="93" name="Google Shape;93;p19"/>
+          <p:cNvPr id="99" name="Google Shape;99;p20"/>
           <p:cNvSpPr txBox="1"/>
           <p:nvPr>
             <p:ph idx="1" type="body"/>
@@ -8904,7 +9373,7 @@
       </p:sp>
       <p:pic>
         <p:nvPicPr>
-          <p:cNvPr id="94" name="Google Shape;94;p19" title="FinalDemo.mp4">
+          <p:cNvPr id="100" name="Google Shape;100;p20" title="FinalDemo.mp4">
             <a:hlinkClick r:id="rId4"/>
           </p:cNvPr>
           <p:cNvPicPr preferRelativeResize="0"/>
@@ -8940,12 +9409,12 @@
 </p:sld>
 </file>
 
-<file path=ppt/slides/slide8.xml><?xml version="1.0" encoding="utf-8"?>
+<file path=ppt/slides/slide9.xml><?xml version="1.0" encoding="utf-8"?>
 <p:sld xmlns:a="http://schemas.openxmlformats.org/drawingml/2006/main" xmlns:r="http://schemas.openxmlformats.org/officeDocument/2006/relationships" xmlns:mc="http://schemas.openxmlformats.org/markup-compatibility/2006" xmlns:mv="urn:schemas-microsoft-com:mac:vml" xmlns:p="http://schemas.openxmlformats.org/presentationml/2006/main" xmlns:c="http://schemas.openxmlformats.org/drawingml/2006/chart" xmlns:dgm="http://schemas.openxmlformats.org/drawingml/2006/diagram" xmlns:o="urn:schemas-microsoft-com:office:office" xmlns:v="urn:schemas-microsoft-com:vml" xmlns:pvml="urn:schemas-microsoft-com:office:powerpoint" xmlns:com="http://schemas.openxmlformats.org/drawingml/2006/compatibility" xmlns:p14="http://schemas.microsoft.com/office/powerpoint/2010/main" xmlns:p15="http://schemas.microsoft.com/office/powerpoint/2012/main">
   <p:cSld>
     <p:spTree>
       <p:nvGrpSpPr>
-        <p:cNvPr id="98" name="Shape 98"/>
+        <p:cNvPr id="104" name="Shape 104"/>
         <p:cNvGrpSpPr/>
         <p:nvPr/>
       </p:nvGrpSpPr>
@@ -8959,7 +9428,7 @@
       </p:grpSpPr>
       <p:sp>
         <p:nvSpPr>
-          <p:cNvPr id="99" name="Google Shape;99;p20"/>
+          <p:cNvPr id="105" name="Google Shape;105;p21"/>
           <p:cNvSpPr txBox="1"/>
           <p:nvPr>
             <p:ph type="title"/>
@@ -8999,7 +9468,7 @@
       </p:sp>
       <p:sp>
         <p:nvSpPr>
-          <p:cNvPr id="100" name="Google Shape;100;p20"/>
+          <p:cNvPr id="106" name="Google Shape;106;p21"/>
           <p:cNvSpPr txBox="1"/>
           <p:nvPr>
             <p:ph idx="1" type="body"/>
@@ -9151,7 +9620,7 @@
       </p:sp>
       <p:pic>
         <p:nvPicPr>
-          <p:cNvPr id="101" name="Google Shape;101;p20"/>
+          <p:cNvPr id="107" name="Google Shape;107;p21"/>
           <p:cNvPicPr preferRelativeResize="0"/>
           <p:nvPr/>
         </p:nvPicPr>
@@ -9167,138 +9636,6 @@
           <a:xfrm>
             <a:off x="5709575" y="170275"/>
             <a:ext cx="2879250" cy="4802950"/>
-          </a:xfrm>
-          <a:prstGeom prst="rect">
-            <a:avLst/>
-          </a:prstGeom>
-          <a:noFill/>
-          <a:ln>
-            <a:noFill/>
-          </a:ln>
-        </p:spPr>
-      </p:pic>
-    </p:spTree>
-  </p:cSld>
-  <p:clrMapOvr>
-    <a:masterClrMapping/>
-  </p:clrMapOvr>
-</p:sld>
-</file>
-
-<file path=ppt/slides/slide9.xml><?xml version="1.0" encoding="utf-8"?>
-<p:sld xmlns:a="http://schemas.openxmlformats.org/drawingml/2006/main" xmlns:r="http://schemas.openxmlformats.org/officeDocument/2006/relationships" xmlns:mc="http://schemas.openxmlformats.org/markup-compatibility/2006" xmlns:mv="urn:schemas-microsoft-com:mac:vml" xmlns:p="http://schemas.openxmlformats.org/presentationml/2006/main" xmlns:c="http://schemas.openxmlformats.org/drawingml/2006/chart" xmlns:dgm="http://schemas.openxmlformats.org/drawingml/2006/diagram" xmlns:o="urn:schemas-microsoft-com:office:office" xmlns:v="urn:schemas-microsoft-com:vml" xmlns:pvml="urn:schemas-microsoft-com:office:powerpoint" xmlns:com="http://schemas.openxmlformats.org/drawingml/2006/compatibility" xmlns:p14="http://schemas.microsoft.com/office/powerpoint/2010/main" xmlns:p15="http://schemas.microsoft.com/office/powerpoint/2012/main">
-  <p:cSld>
-    <p:spTree>
-      <p:nvGrpSpPr>
-        <p:cNvPr id="105" name="Shape 105"/>
-        <p:cNvGrpSpPr/>
-        <p:nvPr/>
-      </p:nvGrpSpPr>
-      <p:grpSpPr>
-        <a:xfrm>
-          <a:off x="0" y="0"/>
-          <a:ext cx="0" cy="0"/>
-          <a:chOff x="0" y="0"/>
-          <a:chExt cx="0" cy="0"/>
-        </a:xfrm>
-      </p:grpSpPr>
-      <p:sp>
-        <p:nvSpPr>
-          <p:cNvPr id="106" name="Google Shape;106;p21"/>
-          <p:cNvSpPr txBox="1"/>
-          <p:nvPr>
-            <p:ph type="title"/>
-          </p:nvPr>
-        </p:nvSpPr>
-        <p:spPr>
-          <a:xfrm>
-            <a:off x="311700" y="445025"/>
-            <a:ext cx="8520600" cy="572700"/>
-          </a:xfrm>
-          <a:prstGeom prst="rect">
-            <a:avLst/>
-          </a:prstGeom>
-        </p:spPr>
-        <p:txBody>
-          <a:bodyPr anchorCtr="0" anchor="t" bIns="91425" lIns="91425" spcFirstLastPara="1" rIns="91425" wrap="square" tIns="91425">
-            <a:noAutofit/>
-          </a:bodyPr>
-          <a:lstStyle/>
-          <a:p>
-            <a:pPr indent="0" lvl="0" marL="0" rtl="0" algn="l">
-              <a:spcBef>
-                <a:spcPts val="0"/>
-              </a:spcBef>
-              <a:spcAft>
-                <a:spcPts val="0"/>
-              </a:spcAft>
-              <a:buNone/>
-            </a:pPr>
-            <a:r>
-              <a:rPr lang="ru"/>
-              <a:t>Demo of test runs of the telegram bot</a:t>
-            </a:r>
-            <a:endParaRPr/>
-          </a:p>
-        </p:txBody>
-      </p:sp>
-      <p:sp>
-        <p:nvSpPr>
-          <p:cNvPr id="107" name="Google Shape;107;p21"/>
-          <p:cNvSpPr txBox="1"/>
-          <p:nvPr>
-            <p:ph idx="1" type="body"/>
-          </p:nvPr>
-        </p:nvSpPr>
-        <p:spPr>
-          <a:xfrm>
-            <a:off x="311700" y="1152475"/>
-            <a:ext cx="8520600" cy="3416400"/>
-          </a:xfrm>
-          <a:prstGeom prst="rect">
-            <a:avLst/>
-          </a:prstGeom>
-        </p:spPr>
-        <p:txBody>
-          <a:bodyPr anchorCtr="0" anchor="t" bIns="91425" lIns="91425" spcFirstLastPara="1" rIns="91425" wrap="square" tIns="91425">
-            <a:noAutofit/>
-          </a:bodyPr>
-          <a:lstStyle/>
-          <a:p>
-            <a:pPr indent="0" lvl="0" marL="0" rtl="0" algn="l">
-              <a:spcBef>
-                <a:spcPts val="0"/>
-              </a:spcBef>
-              <a:spcAft>
-                <a:spcPts val="1600"/>
-              </a:spcAft>
-              <a:buNone/>
-            </a:pPr>
-            <a:r>
-              <a:rPr lang="ru"/>
-              <a:t> </a:t>
-            </a:r>
-            <a:endParaRPr/>
-          </a:p>
-        </p:txBody>
-      </p:sp>
-      <p:pic>
-        <p:nvPicPr>
-          <p:cNvPr id="108" name="Google Shape;108;p21"/>
-          <p:cNvPicPr preferRelativeResize="0"/>
-          <p:nvPr/>
-        </p:nvPicPr>
-        <p:blipFill rotWithShape="1">
-          <a:blip r:embed="rId3">
-            <a:alphaModFix/>
-          </a:blip>
-          <a:srcRect b="21562" l="1581" r="57865" t="43320"/>
-          <a:stretch/>
-        </p:blipFill>
-        <p:spPr>
-          <a:xfrm>
-            <a:off x="311700" y="1152475"/>
-            <a:ext cx="8078824" cy="3935124"/>
           </a:xfrm>
           <a:prstGeom prst="rect">
             <a:avLst/>
